--- a/docs/Clg 1st review.pptx
+++ b/docs/Clg 1st review.pptx
@@ -17,8 +17,8 @@
     <p:sldId id="268" r:id="rId8"/>
     <p:sldId id="271" r:id="rId9"/>
     <p:sldId id="276" r:id="rId10"/>
-    <p:sldId id="277" r:id="rId11"/>
-    <p:sldId id="278" r:id="rId12"/>
+    <p:sldId id="278" r:id="rId11"/>
+    <p:sldId id="277" r:id="rId12"/>
     <p:sldId id="275" r:id="rId13"/>
     <p:sldId id="273" r:id="rId14"/>
     <p:sldId id="274" r:id="rId15"/>
@@ -211,7 +211,7 @@
           <a:p>
             <a:fld id="{C1BED7E8-5420-4F73-BA32-34A7030FE7D8}" type="datetimeFigureOut">
               <a:rPr lang="en-US" smtClean="0"/>
-              <a:t>2/16/2026</a:t>
+              <a:t>2/17/2026</a:t>
             </a:fld>
             <a:endParaRPr lang="en-US"/>
           </a:p>
@@ -1542,7 +1542,7 @@
         <p:cNvPr id="1" name="">
           <a:extLst>
             <a:ext uri="{FF2B5EF4-FFF2-40B4-BE49-F238E27FC236}">
-              <a16:creationId xmlns:a16="http://schemas.microsoft.com/office/drawing/2014/main" id="{452C89CC-C8E1-DE27-B836-BEB739C922AC}"/>
+              <a16:creationId xmlns:a16="http://schemas.microsoft.com/office/drawing/2014/main" id="{678284EE-09FD-5126-5D01-B4935C200642}"/>
             </a:ext>
           </a:extLst>
         </p:cNvPr>
@@ -1562,7 +1562,7 @@
           <p:cNvPr id="2" name="Slide Image Placeholder 1">
             <a:extLst>
               <a:ext uri="{FF2B5EF4-FFF2-40B4-BE49-F238E27FC236}">
-                <a16:creationId xmlns:a16="http://schemas.microsoft.com/office/drawing/2014/main" id="{3DA37164-0B71-0EAA-70A7-6DE14EF82C4F}"/>
+                <a16:creationId xmlns:a16="http://schemas.microsoft.com/office/drawing/2014/main" id="{78B22067-DB64-5849-FC8C-4E152998CE01}"/>
               </a:ext>
             </a:extLst>
           </p:cNvPr>
@@ -1580,7 +1580,7 @@
           <p:cNvPr id="3" name="Notes Placeholder 2">
             <a:extLst>
               <a:ext uri="{FF2B5EF4-FFF2-40B4-BE49-F238E27FC236}">
-                <a16:creationId xmlns:a16="http://schemas.microsoft.com/office/drawing/2014/main" id="{8DF200CA-7373-22DF-42B1-96F4C3597CE8}"/>
+                <a16:creationId xmlns:a16="http://schemas.microsoft.com/office/drawing/2014/main" id="{5660B245-14EF-369D-D163-AD85580F6A50}"/>
               </a:ext>
             </a:extLst>
           </p:cNvPr>
@@ -1605,7 +1605,7 @@
           <p:cNvPr id="4" name="Slide Number Placeholder 3">
             <a:extLst>
               <a:ext uri="{FF2B5EF4-FFF2-40B4-BE49-F238E27FC236}">
-                <a16:creationId xmlns:a16="http://schemas.microsoft.com/office/drawing/2014/main" id="{4F19CADC-1519-74E5-AD99-FAEDBA813E74}"/>
+                <a16:creationId xmlns:a16="http://schemas.microsoft.com/office/drawing/2014/main" id="{9A81B4CC-7F57-5A89-D481-83FD31422BDE}"/>
               </a:ext>
             </a:extLst>
           </p:cNvPr>
@@ -1632,7 +1632,7 @@
     </p:spTree>
     <p:extLst>
       <p:ext uri="{BB962C8B-B14F-4D97-AF65-F5344CB8AC3E}">
-        <p14:creationId xmlns:p14="http://schemas.microsoft.com/office/powerpoint/2010/main" val="3767063346"/>
+        <p14:creationId xmlns:p14="http://schemas.microsoft.com/office/powerpoint/2010/main" val="2522493378"/>
       </p:ext>
     </p:extLst>
   </p:cSld>
@@ -1650,7 +1650,7 @@
         <p:cNvPr id="1" name="">
           <a:extLst>
             <a:ext uri="{FF2B5EF4-FFF2-40B4-BE49-F238E27FC236}">
-              <a16:creationId xmlns:a16="http://schemas.microsoft.com/office/drawing/2014/main" id="{678284EE-09FD-5126-5D01-B4935C200642}"/>
+              <a16:creationId xmlns:a16="http://schemas.microsoft.com/office/drawing/2014/main" id="{452C89CC-C8E1-DE27-B836-BEB739C922AC}"/>
             </a:ext>
           </a:extLst>
         </p:cNvPr>
@@ -1670,7 +1670,7 @@
           <p:cNvPr id="2" name="Slide Image Placeholder 1">
             <a:extLst>
               <a:ext uri="{FF2B5EF4-FFF2-40B4-BE49-F238E27FC236}">
-                <a16:creationId xmlns:a16="http://schemas.microsoft.com/office/drawing/2014/main" id="{78B22067-DB64-5849-FC8C-4E152998CE01}"/>
+                <a16:creationId xmlns:a16="http://schemas.microsoft.com/office/drawing/2014/main" id="{3DA37164-0B71-0EAA-70A7-6DE14EF82C4F}"/>
               </a:ext>
             </a:extLst>
           </p:cNvPr>
@@ -1688,7 +1688,7 @@
           <p:cNvPr id="3" name="Notes Placeholder 2">
             <a:extLst>
               <a:ext uri="{FF2B5EF4-FFF2-40B4-BE49-F238E27FC236}">
-                <a16:creationId xmlns:a16="http://schemas.microsoft.com/office/drawing/2014/main" id="{5660B245-14EF-369D-D163-AD85580F6A50}"/>
+                <a16:creationId xmlns:a16="http://schemas.microsoft.com/office/drawing/2014/main" id="{8DF200CA-7373-22DF-42B1-96F4C3597CE8}"/>
               </a:ext>
             </a:extLst>
           </p:cNvPr>
@@ -1713,7 +1713,7 @@
           <p:cNvPr id="4" name="Slide Number Placeholder 3">
             <a:extLst>
               <a:ext uri="{FF2B5EF4-FFF2-40B4-BE49-F238E27FC236}">
-                <a16:creationId xmlns:a16="http://schemas.microsoft.com/office/drawing/2014/main" id="{9A81B4CC-7F57-5A89-D481-83FD31422BDE}"/>
+                <a16:creationId xmlns:a16="http://schemas.microsoft.com/office/drawing/2014/main" id="{4F19CADC-1519-74E5-AD99-FAEDBA813E74}"/>
               </a:ext>
             </a:extLst>
           </p:cNvPr>
@@ -1740,7 +1740,7 @@
     </p:spTree>
     <p:extLst>
       <p:ext uri="{BB962C8B-B14F-4D97-AF65-F5344CB8AC3E}">
-        <p14:creationId xmlns:p14="http://schemas.microsoft.com/office/powerpoint/2010/main" val="2522493378"/>
+        <p14:creationId xmlns:p14="http://schemas.microsoft.com/office/powerpoint/2010/main" val="3767063346"/>
       </p:ext>
     </p:extLst>
   </p:cSld>
@@ -1897,7 +1897,7 @@
           <a:p>
             <a:fld id="{C198EE3F-C531-4F47-81BE-EB7857D8F039}" type="datetimeFigureOut">
               <a:rPr lang="en-US" smtClean="0"/>
-              <a:t>2/16/2026</a:t>
+              <a:t>2/17/2026</a:t>
             </a:fld>
             <a:endParaRPr lang="en-US"/>
           </a:p>
@@ -2095,7 +2095,7 @@
           <a:p>
             <a:fld id="{C198EE3F-C531-4F47-81BE-EB7857D8F039}" type="datetimeFigureOut">
               <a:rPr lang="en-US" smtClean="0"/>
-              <a:t>2/16/2026</a:t>
+              <a:t>2/17/2026</a:t>
             </a:fld>
             <a:endParaRPr lang="en-US"/>
           </a:p>
@@ -2303,7 +2303,7 @@
           <a:p>
             <a:fld id="{C198EE3F-C531-4F47-81BE-EB7857D8F039}" type="datetimeFigureOut">
               <a:rPr lang="en-US" smtClean="0"/>
-              <a:t>2/16/2026</a:t>
+              <a:t>2/17/2026</a:t>
             </a:fld>
             <a:endParaRPr lang="en-US"/>
           </a:p>
@@ -2501,7 +2501,7 @@
           <a:p>
             <a:fld id="{C198EE3F-C531-4F47-81BE-EB7857D8F039}" type="datetimeFigureOut">
               <a:rPr lang="en-US" smtClean="0"/>
-              <a:t>2/16/2026</a:t>
+              <a:t>2/17/2026</a:t>
             </a:fld>
             <a:endParaRPr lang="en-US"/>
           </a:p>
@@ -2776,7 +2776,7 @@
           <a:p>
             <a:fld id="{C198EE3F-C531-4F47-81BE-EB7857D8F039}" type="datetimeFigureOut">
               <a:rPr lang="en-US" smtClean="0"/>
-              <a:t>2/16/2026</a:t>
+              <a:t>2/17/2026</a:t>
             </a:fld>
             <a:endParaRPr lang="en-US"/>
           </a:p>
@@ -3041,7 +3041,7 @@
           <a:p>
             <a:fld id="{C198EE3F-C531-4F47-81BE-EB7857D8F039}" type="datetimeFigureOut">
               <a:rPr lang="en-US" smtClean="0"/>
-              <a:t>2/16/2026</a:t>
+              <a:t>2/17/2026</a:t>
             </a:fld>
             <a:endParaRPr lang="en-US"/>
           </a:p>
@@ -3453,7 +3453,7 @@
           <a:p>
             <a:fld id="{C198EE3F-C531-4F47-81BE-EB7857D8F039}" type="datetimeFigureOut">
               <a:rPr lang="en-US" smtClean="0"/>
-              <a:t>2/16/2026</a:t>
+              <a:t>2/17/2026</a:t>
             </a:fld>
             <a:endParaRPr lang="en-US"/>
           </a:p>
@@ -3594,7 +3594,7 @@
           <a:p>
             <a:fld id="{C198EE3F-C531-4F47-81BE-EB7857D8F039}" type="datetimeFigureOut">
               <a:rPr lang="en-US" smtClean="0"/>
-              <a:t>2/16/2026</a:t>
+              <a:t>2/17/2026</a:t>
             </a:fld>
             <a:endParaRPr lang="en-US"/>
           </a:p>
@@ -3707,7 +3707,7 @@
           <a:p>
             <a:fld id="{C198EE3F-C531-4F47-81BE-EB7857D8F039}" type="datetimeFigureOut">
               <a:rPr lang="en-US" smtClean="0"/>
-              <a:t>2/16/2026</a:t>
+              <a:t>2/17/2026</a:t>
             </a:fld>
             <a:endParaRPr lang="en-US"/>
           </a:p>
@@ -4018,7 +4018,7 @@
           <a:p>
             <a:fld id="{C198EE3F-C531-4F47-81BE-EB7857D8F039}" type="datetimeFigureOut">
               <a:rPr lang="en-US" smtClean="0"/>
-              <a:t>2/16/2026</a:t>
+              <a:t>2/17/2026</a:t>
             </a:fld>
             <a:endParaRPr lang="en-US"/>
           </a:p>
@@ -4306,7 +4306,7 @@
           <a:p>
             <a:fld id="{C198EE3F-C531-4F47-81BE-EB7857D8F039}" type="datetimeFigureOut">
               <a:rPr lang="en-US" smtClean="0"/>
-              <a:t>2/16/2026</a:t>
+              <a:t>2/17/2026</a:t>
             </a:fld>
             <a:endParaRPr lang="en-US"/>
           </a:p>
@@ -4547,7 +4547,7 @@
           <a:p>
             <a:fld id="{C198EE3F-C531-4F47-81BE-EB7857D8F039}" type="datetimeFigureOut">
               <a:rPr lang="en-US" smtClean="0"/>
-              <a:t>2/16/2026</a:t>
+              <a:t>2/17/2026</a:t>
             </a:fld>
             <a:endParaRPr lang="en-US"/>
           </a:p>
@@ -4964,34 +4964,6 @@
           <a:chExt cx="0" cy="0"/>
         </a:xfrm>
       </p:grpSpPr>
-      <p:pic>
-        <p:nvPicPr>
-          <p:cNvPr id="2" name="Picture 1">
-            <a:extLst>
-              <a:ext uri="{FF2B5EF4-FFF2-40B4-BE49-F238E27FC236}">
-                <a16:creationId xmlns:a16="http://schemas.microsoft.com/office/drawing/2014/main" id="{ACD8AACB-CA4F-D599-14E0-02AA951B4E80}"/>
-              </a:ext>
-            </a:extLst>
-          </p:cNvPr>
-          <p:cNvPicPr/>
-          <p:nvPr/>
-        </p:nvPicPr>
-        <p:blipFill>
-          <a:blip r:embed="rId2"/>
-          <a:stretch>
-            <a:fillRect/>
-          </a:stretch>
-        </p:blipFill>
-        <p:spPr>
-          <a:xfrm>
-            <a:off x="3286125" y="129223"/>
-            <a:ext cx="5619750" cy="982980"/>
-          </a:xfrm>
-          <a:prstGeom prst="rect">
-            <a:avLst/>
-          </a:prstGeom>
-        </p:spPr>
-      </p:pic>
       <p:sp>
         <p:nvSpPr>
           <p:cNvPr id="4" name="TextBox 3">
@@ -5187,6 +5159,42 @@
           </a:p>
         </p:txBody>
       </p:sp>
+      <p:pic>
+        <p:nvPicPr>
+          <p:cNvPr id="5" name="Picture 4">
+            <a:extLst>
+              <a:ext uri="{FF2B5EF4-FFF2-40B4-BE49-F238E27FC236}">
+                <a16:creationId xmlns:a16="http://schemas.microsoft.com/office/drawing/2014/main" id="{0C9366C5-40A3-277F-E51C-D1E882FBAFE0}"/>
+              </a:ext>
+            </a:extLst>
+          </p:cNvPr>
+          <p:cNvPicPr>
+            <a:picLocks noChangeAspect="1"/>
+          </p:cNvPicPr>
+          <p:nvPr/>
+        </p:nvPicPr>
+        <p:blipFill>
+          <a:blip r:embed="rId2">
+            <a:extLst>
+              <a:ext uri="{28A0092B-C50C-407E-A947-70E740481C1C}">
+                <a14:useLocalDpi xmlns:a14="http://schemas.microsoft.com/office/drawing/2010/main" val="0"/>
+              </a:ext>
+            </a:extLst>
+          </a:blip>
+          <a:stretch>
+            <a:fillRect/>
+          </a:stretch>
+        </p:blipFill>
+        <p:spPr>
+          <a:xfrm>
+            <a:off x="3577972" y="98445"/>
+            <a:ext cx="5036055" cy="1367353"/>
+          </a:xfrm>
+          <a:prstGeom prst="rect">
+            <a:avLst/>
+          </a:prstGeom>
+        </p:spPr>
+      </p:pic>
     </p:spTree>
     <p:extLst>
       <p:ext uri="{BB962C8B-B14F-4D97-AF65-F5344CB8AC3E}">
@@ -5201,6 +5209,239 @@
 </file>
 
 <file path=ppt/slides/slide10.xml><?xml version="1.0" encoding="utf-8"?>
+<p:sld xmlns:a="http://schemas.openxmlformats.org/drawingml/2006/main" xmlns:r="http://schemas.openxmlformats.org/officeDocument/2006/relationships" xmlns:p="http://schemas.openxmlformats.org/presentationml/2006/main">
+  <p:cSld>
+    <p:spTree>
+      <p:nvGrpSpPr>
+        <p:cNvPr id="1" name="">
+          <a:extLst>
+            <a:ext uri="{FF2B5EF4-FFF2-40B4-BE49-F238E27FC236}">
+              <a16:creationId xmlns:a16="http://schemas.microsoft.com/office/drawing/2014/main" id="{400C1DD9-82A1-08AC-D8EF-6B223667C549}"/>
+            </a:ext>
+          </a:extLst>
+        </p:cNvPr>
+        <p:cNvGrpSpPr/>
+        <p:nvPr/>
+      </p:nvGrpSpPr>
+      <p:grpSpPr>
+        <a:xfrm>
+          <a:off x="0" y="0"/>
+          <a:ext cx="0" cy="0"/>
+          <a:chOff x="0" y="0"/>
+          <a:chExt cx="0" cy="0"/>
+        </a:xfrm>
+      </p:grpSpPr>
+      <p:sp>
+        <p:nvSpPr>
+          <p:cNvPr id="2" name="TextBox 1">
+            <a:extLst>
+              <a:ext uri="{FF2B5EF4-FFF2-40B4-BE49-F238E27FC236}">
+                <a16:creationId xmlns:a16="http://schemas.microsoft.com/office/drawing/2014/main" id="{0E26DAB2-BC46-0324-32B2-24D4AB9C9EF4}"/>
+              </a:ext>
+            </a:extLst>
+          </p:cNvPr>
+          <p:cNvSpPr txBox="1"/>
+          <p:nvPr/>
+        </p:nvSpPr>
+        <p:spPr>
+          <a:xfrm>
+            <a:off x="265471" y="196645"/>
+            <a:ext cx="11661058" cy="523220"/>
+          </a:xfrm>
+          <a:prstGeom prst="rect">
+            <a:avLst/>
+          </a:prstGeom>
+          <a:noFill/>
+        </p:spPr>
+        <p:txBody>
+          <a:bodyPr wrap="square" rtlCol="0">
+            <a:spAutoFit/>
+          </a:bodyPr>
+          <a:lstStyle/>
+          <a:p>
+            <a:r>
+              <a:rPr lang="en-US" sz="2800" b="1" dirty="0"/>
+              <a:t>Module Description</a:t>
+            </a:r>
+          </a:p>
+        </p:txBody>
+      </p:sp>
+      <p:sp>
+        <p:nvSpPr>
+          <p:cNvPr id="3" name="TextBox 2">
+            <a:extLst>
+              <a:ext uri="{FF2B5EF4-FFF2-40B4-BE49-F238E27FC236}">
+                <a16:creationId xmlns:a16="http://schemas.microsoft.com/office/drawing/2014/main" id="{AAABC761-4F40-9A3B-0F40-0DFD007641B4}"/>
+              </a:ext>
+            </a:extLst>
+          </p:cNvPr>
+          <p:cNvSpPr txBox="1"/>
+          <p:nvPr/>
+        </p:nvSpPr>
+        <p:spPr>
+          <a:xfrm>
+            <a:off x="265471" y="792624"/>
+            <a:ext cx="11661058" cy="5324535"/>
+          </a:xfrm>
+          <a:prstGeom prst="rect">
+            <a:avLst/>
+          </a:prstGeom>
+          <a:noFill/>
+        </p:spPr>
+        <p:txBody>
+          <a:bodyPr wrap="square" rtlCol="0">
+            <a:spAutoFit/>
+          </a:bodyPr>
+          <a:lstStyle/>
+          <a:p>
+            <a:pPr marL="342900" indent="-342900">
+              <a:buFont typeface="Wingdings" panose="05000000000000000000" pitchFamily="2" charset="2"/>
+              <a:buChar char="Ø"/>
+            </a:pPr>
+            <a:r>
+              <a:rPr lang="en-US" sz="2000" b="1" dirty="0">
+                <a:latin typeface="Times New Roman" panose="02020603050405020304" pitchFamily="18" charset="0"/>
+                <a:cs typeface="Times New Roman" panose="02020603050405020304" pitchFamily="18" charset="0"/>
+              </a:rPr>
+              <a:t>All-in-One Script</a:t>
+            </a:r>
+          </a:p>
+          <a:p>
+            <a:pPr marL="342900" indent="-342900">
+              <a:buFont typeface="Wingdings" panose="05000000000000000000" pitchFamily="2" charset="2"/>
+              <a:buChar char="ü"/>
+            </a:pPr>
+            <a:r>
+              <a:rPr lang="en-US" sz="2000" dirty="0">
+                <a:latin typeface="Times New Roman" panose="02020603050405020304" pitchFamily="18" charset="0"/>
+                <a:cs typeface="Times New Roman" panose="02020603050405020304" pitchFamily="18" charset="0"/>
+              </a:rPr>
+              <a:t>Provides a unified architecture that integrates privilege escalation logic, file handling, download automation, and bot communication into a single execution framework.</a:t>
+            </a:r>
+          </a:p>
+          <a:p>
+            <a:pPr marL="342900" indent="-342900">
+              <a:buFont typeface="Wingdings" panose="05000000000000000000" pitchFamily="2" charset="2"/>
+              <a:buChar char="ü"/>
+            </a:pPr>
+            <a:endParaRPr lang="en-US" sz="2000" dirty="0">
+              <a:latin typeface="Times New Roman" panose="02020603050405020304" pitchFamily="18" charset="0"/>
+              <a:cs typeface="Times New Roman" panose="02020603050405020304" pitchFamily="18" charset="0"/>
+            </a:endParaRPr>
+          </a:p>
+          <a:p>
+            <a:pPr marL="342900" indent="-342900">
+              <a:buFont typeface="Wingdings" panose="05000000000000000000" pitchFamily="2" charset="2"/>
+              <a:buChar char="ü"/>
+            </a:pPr>
+            <a:r>
+              <a:rPr lang="en-US" sz="2000" dirty="0">
+                <a:latin typeface="Times New Roman" panose="02020603050405020304" pitchFamily="18" charset="0"/>
+                <a:cs typeface="Times New Roman" panose="02020603050405020304" pitchFamily="18" charset="0"/>
+              </a:rPr>
+              <a:t>Ensures modular integration, allowing independent components to function cohesively while maintaining maintainability and scalability.</a:t>
+            </a:r>
+          </a:p>
+          <a:p>
+            <a:pPr marL="342900" indent="-342900">
+              <a:buFont typeface="Wingdings" panose="05000000000000000000" pitchFamily="2" charset="2"/>
+              <a:buChar char="ü"/>
+            </a:pPr>
+            <a:endParaRPr lang="en-US" sz="2000" dirty="0">
+              <a:latin typeface="Times New Roman" panose="02020603050405020304" pitchFamily="18" charset="0"/>
+              <a:cs typeface="Times New Roman" panose="02020603050405020304" pitchFamily="18" charset="0"/>
+            </a:endParaRPr>
+          </a:p>
+          <a:p>
+            <a:pPr marL="342900" indent="-342900">
+              <a:buFont typeface="Wingdings" panose="05000000000000000000" pitchFamily="2" charset="2"/>
+              <a:buChar char="ü"/>
+            </a:pPr>
+            <a:r>
+              <a:rPr lang="en-US" sz="2000" dirty="0">
+                <a:latin typeface="Times New Roman" panose="02020603050405020304" pitchFamily="18" charset="0"/>
+                <a:cs typeface="Times New Roman" panose="02020603050405020304" pitchFamily="18" charset="0"/>
+              </a:rPr>
+              <a:t>Performs cross-platform and multi-system testing to validate compatibility, execution reliability, and consistent behavior across Ubuntu-based environments.</a:t>
+            </a:r>
+          </a:p>
+          <a:p>
+            <a:endParaRPr lang="en-US" sz="2000" b="1" dirty="0">
+              <a:latin typeface="Times New Roman" panose="02020603050405020304" pitchFamily="18" charset="0"/>
+              <a:cs typeface="Times New Roman" panose="02020603050405020304" pitchFamily="18" charset="0"/>
+            </a:endParaRPr>
+          </a:p>
+          <a:p>
+            <a:pPr marL="342900" indent="-342900">
+              <a:buFont typeface="Wingdings" panose="05000000000000000000" pitchFamily="2" charset="2"/>
+              <a:buChar char="Ø"/>
+            </a:pPr>
+            <a:r>
+              <a:rPr lang="en-US" sz="2000" b="1" dirty="0">
+                <a:latin typeface="Times New Roman" panose="02020603050405020304" pitchFamily="18" charset="0"/>
+                <a:cs typeface="Times New Roman" panose="02020603050405020304" pitchFamily="18" charset="0"/>
+              </a:rPr>
+              <a:t>File Repository Module</a:t>
+            </a:r>
+          </a:p>
+          <a:p>
+            <a:pPr marL="342900" indent="-342900">
+              <a:buFont typeface="Wingdings" panose="05000000000000000000" pitchFamily="2" charset="2"/>
+              <a:buChar char="ü"/>
+            </a:pPr>
+            <a:r>
+              <a:rPr lang="en-US" sz="2000" dirty="0">
+                <a:latin typeface="Times New Roman" panose="02020603050405020304" pitchFamily="18" charset="0"/>
+                <a:cs typeface="Times New Roman" panose="02020603050405020304" pitchFamily="18" charset="0"/>
+              </a:rPr>
+              <a:t>Provides a secure file upload feature that allows users to store files on the server with validation checks and integrity verification.</a:t>
+            </a:r>
+          </a:p>
+          <a:p>
+            <a:pPr marL="342900" indent="-342900">
+              <a:buFont typeface="Wingdings" panose="05000000000000000000" pitchFamily="2" charset="2"/>
+              <a:buChar char="ü"/>
+            </a:pPr>
+            <a:endParaRPr lang="en-US" sz="2000" dirty="0">
+              <a:latin typeface="Times New Roman" panose="02020603050405020304" pitchFamily="18" charset="0"/>
+              <a:cs typeface="Times New Roman" panose="02020603050405020304" pitchFamily="18" charset="0"/>
+            </a:endParaRPr>
+          </a:p>
+          <a:p>
+            <a:pPr marL="342900" indent="-342900">
+              <a:buFont typeface="Wingdings" panose="05000000000000000000" pitchFamily="2" charset="2"/>
+              <a:buChar char="ü"/>
+            </a:pPr>
+            <a:r>
+              <a:rPr lang="en-US" sz="2000" dirty="0">
+                <a:latin typeface="Times New Roman" panose="02020603050405020304" pitchFamily="18" charset="0"/>
+                <a:cs typeface="Times New Roman" panose="02020603050405020304" pitchFamily="18" charset="0"/>
+              </a:rPr>
+              <a:t>Enforces admin-only authorization for sensitive operations, ensuring role-based access control within the application.</a:t>
+            </a:r>
+          </a:p>
+          <a:p>
+            <a:endParaRPr lang="en-US" sz="2000" b="1" dirty="0">
+              <a:latin typeface="Times New Roman" panose="02020603050405020304" pitchFamily="18" charset="0"/>
+              <a:cs typeface="Times New Roman" panose="02020603050405020304" pitchFamily="18" charset="0"/>
+            </a:endParaRPr>
+          </a:p>
+        </p:txBody>
+      </p:sp>
+    </p:spTree>
+    <p:extLst>
+      <p:ext uri="{BB962C8B-B14F-4D97-AF65-F5344CB8AC3E}">
+        <p14:creationId xmlns:p14="http://schemas.microsoft.com/office/powerpoint/2010/main" val="912943161"/>
+      </p:ext>
+    </p:extLst>
+  </p:cSld>
+  <p:clrMapOvr>
+    <a:masterClrMapping/>
+  </p:clrMapOvr>
+</p:sld>
+</file>
+
+<file path=ppt/slides/slide11.xml><?xml version="1.0" encoding="utf-8"?>
 <p:sld xmlns:a="http://schemas.openxmlformats.org/drawingml/2006/main" xmlns:r="http://schemas.openxmlformats.org/officeDocument/2006/relationships" xmlns:p="http://schemas.openxmlformats.org/presentationml/2006/main">
   <p:cSld>
     <p:spTree>
@@ -5273,7 +5514,7 @@
         <p:spPr>
           <a:xfrm>
             <a:off x="265471" y="792624"/>
-            <a:ext cx="11661058" cy="6555641"/>
+            <a:ext cx="11661058" cy="2246769"/>
           </a:xfrm>
           <a:prstGeom prst="rect">
             <a:avLst/>
@@ -5295,7 +5536,7 @@
                 <a:latin typeface="Times New Roman" panose="02020603050405020304" pitchFamily="18" charset="0"/>
                 <a:cs typeface="Times New Roman" panose="02020603050405020304" pitchFamily="18" charset="0"/>
               </a:rPr>
-              <a:t>File Repository Module</a:t>
+              <a:t>Download Automation Module</a:t>
             </a:r>
           </a:p>
           <a:p>
@@ -5308,7 +5549,7 @@
                 <a:latin typeface="Times New Roman" panose="02020603050405020304" pitchFamily="18" charset="0"/>
                 <a:cs typeface="Times New Roman" panose="02020603050405020304" pitchFamily="18" charset="0"/>
               </a:rPr>
-              <a:t>Provides a secure file upload feature that allows users to store files on the server with validation checks and integrity verification.</a:t>
+              <a:t>Supports curl-based file transfer mechanisms to enable command-line driven file uploads and downloads through automated execution workflows.</a:t>
             </a:r>
           </a:p>
           <a:p>
@@ -5316,41 +5557,6 @@
               <a:buFont typeface="Wingdings" panose="05000000000000000000" pitchFamily="2" charset="2"/>
               <a:buChar char="ü"/>
             </a:pPr>
-            <a:r>
-              <a:rPr lang="en-US" sz="2000" dirty="0">
-                <a:latin typeface="Times New Roman" panose="02020603050405020304" pitchFamily="18" charset="0"/>
-                <a:cs typeface="Times New Roman" panose="02020603050405020304" pitchFamily="18" charset="0"/>
-              </a:rPr>
-              <a:t>Implements controlled delete functionality with safeguards to prevent unauthorized or accidental file removal.</a:t>
-            </a:r>
-          </a:p>
-          <a:p>
-            <a:pPr marL="342900" indent="-342900">
-              <a:buFont typeface="Wingdings" panose="05000000000000000000" pitchFamily="2" charset="2"/>
-              <a:buChar char="ü"/>
-            </a:pPr>
-            <a:r>
-              <a:rPr lang="en-US" sz="2000" dirty="0">
-                <a:latin typeface="Times New Roman" panose="02020603050405020304" pitchFamily="18" charset="0"/>
-                <a:cs typeface="Times New Roman" panose="02020603050405020304" pitchFamily="18" charset="0"/>
-              </a:rPr>
-              <a:t>Enforces admin-only authorization for sensitive operations, ensuring role-based access control within the application.</a:t>
-            </a:r>
-          </a:p>
-          <a:p>
-            <a:pPr marL="342900" indent="-342900">
-              <a:buFont typeface="Wingdings" panose="05000000000000000000" pitchFamily="2" charset="2"/>
-              <a:buChar char="ü"/>
-            </a:pPr>
-            <a:r>
-              <a:rPr lang="en-US" sz="2000" dirty="0">
-                <a:latin typeface="Times New Roman" panose="02020603050405020304" pitchFamily="18" charset="0"/>
-                <a:cs typeface="Times New Roman" panose="02020603050405020304" pitchFamily="18" charset="0"/>
-              </a:rPr>
-              <a:t>Maintains user directory isolation by creating separate folders for each user to prevent cross-access and ensure proper data separation.</a:t>
-            </a:r>
-          </a:p>
-          <a:p>
             <a:endParaRPr lang="en-US" sz="2000" dirty="0">
               <a:latin typeface="Times New Roman" panose="02020603050405020304" pitchFamily="18" charset="0"/>
               <a:cs typeface="Times New Roman" panose="02020603050405020304" pitchFamily="18" charset="0"/>
@@ -5359,19 +5565,6 @@
           <a:p>
             <a:pPr marL="342900" indent="-342900">
               <a:buFont typeface="Wingdings" panose="05000000000000000000" pitchFamily="2" charset="2"/>
-              <a:buChar char="Ø"/>
-            </a:pPr>
-            <a:r>
-              <a:rPr lang="en-US" sz="2000" b="1" dirty="0">
-                <a:latin typeface="Times New Roman" panose="02020603050405020304" pitchFamily="18" charset="0"/>
-                <a:cs typeface="Times New Roman" panose="02020603050405020304" pitchFamily="18" charset="0"/>
-              </a:rPr>
-              <a:t>Download Automation Module</a:t>
-            </a:r>
-          </a:p>
-          <a:p>
-            <a:pPr marL="342900" indent="-342900">
-              <a:buFont typeface="Wingdings" panose="05000000000000000000" pitchFamily="2" charset="2"/>
               <a:buChar char="ü"/>
             </a:pPr>
             <a:r>
@@ -5379,67 +5572,21 @@
                 <a:latin typeface="Times New Roman" panose="02020603050405020304" pitchFamily="18" charset="0"/>
                 <a:cs typeface="Times New Roman" panose="02020603050405020304" pitchFamily="18" charset="0"/>
               </a:rPr>
-              <a:t>Supports curl-based file transfer mechanisms to enable command-line driven file uploads and downloads through automated execution workflows.</a:t>
-            </a:r>
-          </a:p>
-          <a:p>
-            <a:pPr marL="342900" indent="-342900">
-              <a:buFont typeface="Wingdings" panose="05000000000000000000" pitchFamily="2" charset="2"/>
-              <a:buChar char="ü"/>
-            </a:pPr>
-            <a:endParaRPr lang="en-US" sz="2000" dirty="0">
-              <a:latin typeface="Times New Roman" panose="02020603050405020304" pitchFamily="18" charset="0"/>
-              <a:cs typeface="Times New Roman" panose="02020603050405020304" pitchFamily="18" charset="0"/>
-            </a:endParaRPr>
-          </a:p>
-          <a:p>
-            <a:pPr marL="342900" indent="-342900">
-              <a:buFont typeface="Wingdings" panose="05000000000000000000" pitchFamily="2" charset="2"/>
-              <a:buChar char="ü"/>
-            </a:pPr>
+              <a:t>Integrates </a:t>
+            </a:r>
+            <a:r>
+              <a:rPr lang="en-US" sz="2000" dirty="0" err="1">
+                <a:latin typeface="Times New Roman" panose="02020603050405020304" pitchFamily="18" charset="0"/>
+                <a:cs typeface="Times New Roman" panose="02020603050405020304" pitchFamily="18" charset="0"/>
+              </a:rPr>
+              <a:t>wget</a:t>
+            </a:r>
             <a:r>
               <a:rPr lang="en-US" sz="2000" dirty="0">
                 <a:latin typeface="Times New Roman" panose="02020603050405020304" pitchFamily="18" charset="0"/>
                 <a:cs typeface="Times New Roman" panose="02020603050405020304" pitchFamily="18" charset="0"/>
               </a:rPr>
-              <a:t>Integrates </a:t>
-            </a:r>
-            <a:r>
-              <a:rPr lang="en-US" sz="2000" dirty="0" err="1">
-                <a:latin typeface="Times New Roman" panose="02020603050405020304" pitchFamily="18" charset="0"/>
-                <a:cs typeface="Times New Roman" panose="02020603050405020304" pitchFamily="18" charset="0"/>
-              </a:rPr>
-              <a:t>wget</a:t>
-            </a:r>
-            <a:r>
-              <a:rPr lang="en-US" sz="2000" dirty="0">
-                <a:latin typeface="Times New Roman" panose="02020603050405020304" pitchFamily="18" charset="0"/>
-                <a:cs typeface="Times New Roman" panose="02020603050405020304" pitchFamily="18" charset="0"/>
-              </a:rPr>
               <a:t>-based retrieval functionality for reliable remote file fetching and compatibility across different Linux environments.</a:t>
-            </a:r>
-          </a:p>
-          <a:p>
-            <a:pPr marL="342900" indent="-342900">
-              <a:buFont typeface="Wingdings" panose="05000000000000000000" pitchFamily="2" charset="2"/>
-              <a:buChar char="ü"/>
-            </a:pPr>
-            <a:endParaRPr lang="en-US" sz="2000" dirty="0">
-              <a:latin typeface="Times New Roman" panose="02020603050405020304" pitchFamily="18" charset="0"/>
-              <a:cs typeface="Times New Roman" panose="02020603050405020304" pitchFamily="18" charset="0"/>
-            </a:endParaRPr>
-          </a:p>
-          <a:p>
-            <a:pPr marL="342900" indent="-342900">
-              <a:buFont typeface="Wingdings" panose="05000000000000000000" pitchFamily="2" charset="2"/>
-              <a:buChar char="ü"/>
-            </a:pPr>
-            <a:r>
-              <a:rPr lang="en-US" sz="2000" dirty="0">
-                <a:latin typeface="Times New Roman" panose="02020603050405020304" pitchFamily="18" charset="0"/>
-                <a:cs typeface="Times New Roman" panose="02020603050405020304" pitchFamily="18" charset="0"/>
-              </a:rPr>
-              <a:t>Implements error handling and optimization techniques to improve execution stability, minimize failures, and enhance performance efficiency.</a:t>
             </a:r>
           </a:p>
           <a:p>
@@ -5448,206 +5595,12 @@
               <a:cs typeface="Times New Roman" panose="02020603050405020304" pitchFamily="18" charset="0"/>
             </a:endParaRPr>
           </a:p>
-          <a:p>
-            <a:endParaRPr lang="en-US" sz="2000" b="1" dirty="0">
-              <a:latin typeface="Times New Roman" panose="02020603050405020304" pitchFamily="18" charset="0"/>
-              <a:cs typeface="Times New Roman" panose="02020603050405020304" pitchFamily="18" charset="0"/>
-            </a:endParaRPr>
-          </a:p>
         </p:txBody>
       </p:sp>
     </p:spTree>
     <p:extLst>
       <p:ext uri="{BB962C8B-B14F-4D97-AF65-F5344CB8AC3E}">
         <p14:creationId xmlns:p14="http://schemas.microsoft.com/office/powerpoint/2010/main" val="1607016536"/>
-      </p:ext>
-    </p:extLst>
-  </p:cSld>
-  <p:clrMapOvr>
-    <a:masterClrMapping/>
-  </p:clrMapOvr>
-</p:sld>
-</file>
-
-<file path=ppt/slides/slide11.xml><?xml version="1.0" encoding="utf-8"?>
-<p:sld xmlns:a="http://schemas.openxmlformats.org/drawingml/2006/main" xmlns:r="http://schemas.openxmlformats.org/officeDocument/2006/relationships" xmlns:p="http://schemas.openxmlformats.org/presentationml/2006/main">
-  <p:cSld>
-    <p:spTree>
-      <p:nvGrpSpPr>
-        <p:cNvPr id="1" name="">
-          <a:extLst>
-            <a:ext uri="{FF2B5EF4-FFF2-40B4-BE49-F238E27FC236}">
-              <a16:creationId xmlns:a16="http://schemas.microsoft.com/office/drawing/2014/main" id="{400C1DD9-82A1-08AC-D8EF-6B223667C549}"/>
-            </a:ext>
-          </a:extLst>
-        </p:cNvPr>
-        <p:cNvGrpSpPr/>
-        <p:nvPr/>
-      </p:nvGrpSpPr>
-      <p:grpSpPr>
-        <a:xfrm>
-          <a:off x="0" y="0"/>
-          <a:ext cx="0" cy="0"/>
-          <a:chOff x="0" y="0"/>
-          <a:chExt cx="0" cy="0"/>
-        </a:xfrm>
-      </p:grpSpPr>
-      <p:sp>
-        <p:nvSpPr>
-          <p:cNvPr id="2" name="TextBox 1">
-            <a:extLst>
-              <a:ext uri="{FF2B5EF4-FFF2-40B4-BE49-F238E27FC236}">
-                <a16:creationId xmlns:a16="http://schemas.microsoft.com/office/drawing/2014/main" id="{0E26DAB2-BC46-0324-32B2-24D4AB9C9EF4}"/>
-              </a:ext>
-            </a:extLst>
-          </p:cNvPr>
-          <p:cNvSpPr txBox="1"/>
-          <p:nvPr/>
-        </p:nvSpPr>
-        <p:spPr>
-          <a:xfrm>
-            <a:off x="265471" y="196645"/>
-            <a:ext cx="11661058" cy="523220"/>
-          </a:xfrm>
-          <a:prstGeom prst="rect">
-            <a:avLst/>
-          </a:prstGeom>
-          <a:noFill/>
-        </p:spPr>
-        <p:txBody>
-          <a:bodyPr wrap="square" rtlCol="0">
-            <a:spAutoFit/>
-          </a:bodyPr>
-          <a:lstStyle/>
-          <a:p>
-            <a:r>
-              <a:rPr lang="en-US" sz="2800" b="1" dirty="0"/>
-              <a:t>Module Description</a:t>
-            </a:r>
-          </a:p>
-        </p:txBody>
-      </p:sp>
-      <p:sp>
-        <p:nvSpPr>
-          <p:cNvPr id="3" name="TextBox 2">
-            <a:extLst>
-              <a:ext uri="{FF2B5EF4-FFF2-40B4-BE49-F238E27FC236}">
-                <a16:creationId xmlns:a16="http://schemas.microsoft.com/office/drawing/2014/main" id="{AAABC761-4F40-9A3B-0F40-0DFD007641B4}"/>
-              </a:ext>
-            </a:extLst>
-          </p:cNvPr>
-          <p:cNvSpPr txBox="1"/>
-          <p:nvPr/>
-        </p:nvSpPr>
-        <p:spPr>
-          <a:xfrm>
-            <a:off x="265471" y="792624"/>
-            <a:ext cx="11661058" cy="3477875"/>
-          </a:xfrm>
-          <a:prstGeom prst="rect">
-            <a:avLst/>
-          </a:prstGeom>
-          <a:noFill/>
-        </p:spPr>
-        <p:txBody>
-          <a:bodyPr wrap="square" rtlCol="0">
-            <a:spAutoFit/>
-          </a:bodyPr>
-          <a:lstStyle/>
-          <a:p>
-            <a:pPr marL="342900" indent="-342900">
-              <a:buFont typeface="Wingdings" panose="05000000000000000000" pitchFamily="2" charset="2"/>
-              <a:buChar char="Ø"/>
-            </a:pPr>
-            <a:r>
-              <a:rPr lang="en-US" sz="2000" b="1" dirty="0">
-                <a:latin typeface="Times New Roman" panose="02020603050405020304" pitchFamily="18" charset="0"/>
-                <a:cs typeface="Times New Roman" panose="02020603050405020304" pitchFamily="18" charset="0"/>
-              </a:rPr>
-              <a:t>All-in-One Script</a:t>
-            </a:r>
-          </a:p>
-          <a:p>
-            <a:pPr marL="342900" indent="-342900">
-              <a:buFont typeface="Wingdings" panose="05000000000000000000" pitchFamily="2" charset="2"/>
-              <a:buChar char="ü"/>
-            </a:pPr>
-            <a:r>
-              <a:rPr lang="en-US" sz="2000" dirty="0">
-                <a:latin typeface="Times New Roman" panose="02020603050405020304" pitchFamily="18" charset="0"/>
-                <a:cs typeface="Times New Roman" panose="02020603050405020304" pitchFamily="18" charset="0"/>
-              </a:rPr>
-              <a:t>Provides a unified architecture that integrates privilege escalation logic, file handling, download automation, and bot communication into a single execution framework.</a:t>
-            </a:r>
-          </a:p>
-          <a:p>
-            <a:pPr marL="342900" indent="-342900">
-              <a:buFont typeface="Wingdings" panose="05000000000000000000" pitchFamily="2" charset="2"/>
-              <a:buChar char="ü"/>
-            </a:pPr>
-            <a:endParaRPr lang="en-US" sz="2000" dirty="0">
-              <a:latin typeface="Times New Roman" panose="02020603050405020304" pitchFamily="18" charset="0"/>
-              <a:cs typeface="Times New Roman" panose="02020603050405020304" pitchFamily="18" charset="0"/>
-            </a:endParaRPr>
-          </a:p>
-          <a:p>
-            <a:pPr marL="342900" indent="-342900">
-              <a:buFont typeface="Wingdings" panose="05000000000000000000" pitchFamily="2" charset="2"/>
-              <a:buChar char="ü"/>
-            </a:pPr>
-            <a:r>
-              <a:rPr lang="en-US" sz="2000" dirty="0">
-                <a:latin typeface="Times New Roman" panose="02020603050405020304" pitchFamily="18" charset="0"/>
-                <a:cs typeface="Times New Roman" panose="02020603050405020304" pitchFamily="18" charset="0"/>
-              </a:rPr>
-              <a:t>Ensures modular integration, allowing independent components to function cohesively while maintaining maintainability and scalability.</a:t>
-            </a:r>
-          </a:p>
-          <a:p>
-            <a:pPr marL="342900" indent="-342900">
-              <a:buFont typeface="Wingdings" panose="05000000000000000000" pitchFamily="2" charset="2"/>
-              <a:buChar char="ü"/>
-            </a:pPr>
-            <a:endParaRPr lang="en-US" sz="2000" dirty="0">
-              <a:latin typeface="Times New Roman" panose="02020603050405020304" pitchFamily="18" charset="0"/>
-              <a:cs typeface="Times New Roman" panose="02020603050405020304" pitchFamily="18" charset="0"/>
-            </a:endParaRPr>
-          </a:p>
-          <a:p>
-            <a:pPr marL="342900" indent="-342900">
-              <a:buFont typeface="Wingdings" panose="05000000000000000000" pitchFamily="2" charset="2"/>
-              <a:buChar char="ü"/>
-            </a:pPr>
-            <a:r>
-              <a:rPr lang="en-US" sz="2000" dirty="0">
-                <a:latin typeface="Times New Roman" panose="02020603050405020304" pitchFamily="18" charset="0"/>
-                <a:cs typeface="Times New Roman" panose="02020603050405020304" pitchFamily="18" charset="0"/>
-              </a:rPr>
-              <a:t>Performs cross-platform and multi-system testing to validate compatibility, execution reliability, and consistent behavior across Ubuntu-based environments.</a:t>
-            </a:r>
-          </a:p>
-          <a:p>
-            <a:pPr marL="342900" indent="-342900">
-              <a:buFont typeface="Wingdings" panose="05000000000000000000" pitchFamily="2" charset="2"/>
-              <a:buChar char="ü"/>
-            </a:pPr>
-            <a:endParaRPr lang="en-US" sz="2000" b="1" dirty="0">
-              <a:latin typeface="Times New Roman" panose="02020603050405020304" pitchFamily="18" charset="0"/>
-              <a:cs typeface="Times New Roman" panose="02020603050405020304" pitchFamily="18" charset="0"/>
-            </a:endParaRPr>
-          </a:p>
-          <a:p>
-            <a:endParaRPr lang="en-US" sz="2000" b="1" dirty="0">
-              <a:latin typeface="Times New Roman" panose="02020603050405020304" pitchFamily="18" charset="0"/>
-              <a:cs typeface="Times New Roman" panose="02020603050405020304" pitchFamily="18" charset="0"/>
-            </a:endParaRPr>
-          </a:p>
-        </p:txBody>
-      </p:sp>
-    </p:spTree>
-    <p:extLst>
-      <p:ext uri="{BB962C8B-B14F-4D97-AF65-F5344CB8AC3E}">
-        <p14:creationId xmlns:p14="http://schemas.microsoft.com/office/powerpoint/2010/main" val="912943161"/>
       </p:ext>
     </p:extLst>
   </p:cSld>
@@ -5730,7 +5683,7 @@
         <p:spPr>
           <a:xfrm>
             <a:off x="265471" y="792624"/>
-            <a:ext cx="11661058" cy="5324535"/>
+            <a:ext cx="11661058" cy="4401205"/>
           </a:xfrm>
           <a:prstGeom prst="rect">
             <a:avLst/>
@@ -5752,7 +5705,7 @@
                 <a:latin typeface="Times New Roman" panose="02020603050405020304" pitchFamily="18" charset="0"/>
                 <a:cs typeface="Times New Roman" panose="02020603050405020304" pitchFamily="18" charset="0"/>
               </a:rPr>
-              <a:t>Provides a real-world red team simulation experience, allowing practical understanding of how privilege escalation techniques are performed and analyzed within a controlled cybersecurity testing environment.</a:t>
+              <a:t>Enables automated exploitation testing, reducing manual intervention while improving repeatability, and efficiency in assessing privilege-related vulnerabilities.</a:t>
             </a:r>
           </a:p>
           <a:p>
@@ -5775,7 +5728,7 @@
                 <a:latin typeface="Times New Roman" panose="02020603050405020304" pitchFamily="18" charset="0"/>
                 <a:cs typeface="Times New Roman" panose="02020603050405020304" pitchFamily="18" charset="0"/>
               </a:rPr>
-              <a:t>Enables automated exploitation testing, reducing manual intervention while improving consistency, repeatability, and efficiency in assessing privilege-related vulnerabilities.</a:t>
+              <a:t>Supports remote command execution through Telegram integration, offering centralized control and monitoring of system-level operations in a secure and structured manner.</a:t>
             </a:r>
           </a:p>
           <a:p>
@@ -5798,7 +5751,7 @@
                 <a:latin typeface="Times New Roman" panose="02020603050405020304" pitchFamily="18" charset="0"/>
                 <a:cs typeface="Times New Roman" panose="02020603050405020304" pitchFamily="18" charset="0"/>
               </a:rPr>
-              <a:t>Supports remote command execution through Telegram integration, offering centralized control and monitoring of system-level operations in a secure and structured manner.</a:t>
+              <a:t>Implements a modular architecture, where individual components such as escalation scripts, file repository, and bot integration are developed independently for better scalability and maintainability.</a:t>
             </a:r>
           </a:p>
           <a:p>
@@ -5821,30 +5774,7 @@
                 <a:latin typeface="Times New Roman" panose="02020603050405020304" pitchFamily="18" charset="0"/>
                 <a:cs typeface="Times New Roman" panose="02020603050405020304" pitchFamily="18" charset="0"/>
               </a:rPr>
-              <a:t>Implements a modular architecture, where individual components such as escalation scripts, file repository, and bot integration are developed independently for better scalability and maintainability.</a:t>
-            </a:r>
-          </a:p>
-          <a:p>
-            <a:pPr marL="342900" indent="-342900">
-              <a:buFont typeface="Wingdings" panose="05000000000000000000" pitchFamily="2" charset="2"/>
-              <a:buChar char="ü"/>
-            </a:pPr>
-            <a:endParaRPr lang="en-US" sz="2000" dirty="0">
-              <a:latin typeface="Times New Roman" panose="02020603050405020304" pitchFamily="18" charset="0"/>
-              <a:cs typeface="Times New Roman" panose="02020603050405020304" pitchFamily="18" charset="0"/>
-            </a:endParaRPr>
-          </a:p>
-          <a:p>
-            <a:pPr marL="342900" indent="-342900">
-              <a:buFont typeface="Wingdings" panose="05000000000000000000" pitchFamily="2" charset="2"/>
-              <a:buChar char="ü"/>
-            </a:pPr>
-            <a:r>
-              <a:rPr lang="en-US" sz="2000" dirty="0">
-                <a:latin typeface="Times New Roman" panose="02020603050405020304" pitchFamily="18" charset="0"/>
-                <a:cs typeface="Times New Roman" panose="02020603050405020304" pitchFamily="18" charset="0"/>
-              </a:rPr>
-              <a:t>Ensures multi-system compatibility, allowing the developed scripts and automation framework to function reliably across different Ubuntu-based environments.</a:t>
+              <a:t>allowing the developed scripts and automation framework to function reliably across different Ubuntu-based environments.</a:t>
             </a:r>
           </a:p>
           <a:p>
@@ -6189,8 +6119,18 @@
                 <a:latin typeface="Times New Roman" panose="02020603050405020304" pitchFamily="18" charset="0"/>
                 <a:cs typeface="Times New Roman" panose="02020603050405020304" pitchFamily="18" charset="0"/>
               </a:rPr>
-              <a:t> permissions and improper file access controls can compromise system security.</a:t>
-            </a:r>
+              <a:t> permissions can compromise system security.</a:t>
+            </a:r>
+          </a:p>
+          <a:p>
+            <a:pPr marL="342900" indent="-342900">
+              <a:buFont typeface="Wingdings" panose="05000000000000000000" pitchFamily="2" charset="2"/>
+              <a:buChar char="Ø"/>
+            </a:pPr>
+            <a:endParaRPr lang="en-US" sz="2000" dirty="0">
+              <a:latin typeface="Times New Roman" panose="02020603050405020304" pitchFamily="18" charset="0"/>
+              <a:cs typeface="Times New Roman" panose="02020603050405020304" pitchFamily="18" charset="0"/>
+            </a:endParaRPr>
           </a:p>
           <a:p>
             <a:pPr marL="342900" indent="-342900">
@@ -6596,7 +6536,7 @@
         <p:spPr>
           <a:xfrm>
             <a:off x="265471" y="792624"/>
-            <a:ext cx="11661058" cy="3785652"/>
+            <a:ext cx="11661058" cy="3170099"/>
           </a:xfrm>
           <a:prstGeom prst="rect">
             <a:avLst/>
@@ -6644,23 +6584,7 @@
                 <a:ea typeface="Tahoma" panose="020B0604030504040204" pitchFamily="34" charset="0"/>
                 <a:cs typeface="Times New Roman" panose="02020603050405020304" pitchFamily="18" charset="0"/>
               </a:rPr>
-              <a:t>The system integrates automated shell scripts, Telegram bot-based remote command execution, and a centralized web-based file repository to simulate real-world privilege escalation scenarios. Advanced automation using curl and </a:t>
-            </a:r>
-            <a:r>
-              <a:rPr lang="en-US" sz="2000" dirty="0" err="1">
-                <a:latin typeface="Times New Roman" panose="02020603050405020304" pitchFamily="18" charset="0"/>
-                <a:ea typeface="Tahoma" panose="020B0604030504040204" pitchFamily="34" charset="0"/>
-                <a:cs typeface="Times New Roman" panose="02020603050405020304" pitchFamily="18" charset="0"/>
-              </a:rPr>
-              <a:t>wget</a:t>
-            </a:r>
-            <a:r>
-              <a:rPr lang="en-US" sz="2000" dirty="0">
-                <a:latin typeface="Times New Roman" panose="02020603050405020304" pitchFamily="18" charset="0"/>
-                <a:ea typeface="Tahoma" panose="020B0604030504040204" pitchFamily="34" charset="0"/>
-                <a:cs typeface="Times New Roman" panose="02020603050405020304" pitchFamily="18" charset="0"/>
-              </a:rPr>
-              <a:t> enhances remote file handling and execution capabilities.</a:t>
+              <a:t>The system integrates automated shell scripts, Telegram bot-based remote command execution.</a:t>
             </a:r>
           </a:p>
           <a:p>
@@ -6792,7 +6716,7 @@
         <p:spPr>
           <a:xfrm>
             <a:off x="265471" y="792624"/>
-            <a:ext cx="11661058" cy="5940088"/>
+            <a:ext cx="11661058" cy="5016758"/>
           </a:xfrm>
           <a:prstGeom prst="rect">
             <a:avLst/>
@@ -6869,10 +6793,6 @@
             </a:r>
           </a:p>
           <a:p>
-            <a:pPr marL="342900" indent="-342900">
-              <a:buFont typeface="Wingdings" panose="05000000000000000000" pitchFamily="2" charset="2"/>
-              <a:buChar char="Ø"/>
-            </a:pPr>
             <a:endParaRPr lang="en-US" sz="2000" dirty="0">
               <a:latin typeface="Times New Roman" panose="02020603050405020304" pitchFamily="18" charset="0"/>
               <a:cs typeface="Times New Roman" panose="02020603050405020304" pitchFamily="18" charset="0"/>
@@ -6888,14 +6808,10 @@
                 <a:latin typeface="Times New Roman" panose="02020603050405020304" pitchFamily="18" charset="0"/>
                 <a:cs typeface="Times New Roman" panose="02020603050405020304" pitchFamily="18" charset="0"/>
               </a:rPr>
-              <a:t>To develop automated privilege escalation scripts that replicate real-world exploitation techniques while maintaining structured execution, error handling, and controlled testing procedures.</a:t>
-            </a:r>
-          </a:p>
-          <a:p>
-            <a:pPr marL="342900" indent="-342900">
-              <a:buFont typeface="Wingdings" panose="05000000000000000000" pitchFamily="2" charset="2"/>
-              <a:buChar char="Ø"/>
-            </a:pPr>
+              <a:t>To integrate a Telegram bot for remote command execution, enabling centralized and controlled interaction with the system for monitoring and testing.</a:t>
+            </a:r>
+          </a:p>
+          <a:p>
             <a:endParaRPr lang="en-US" sz="2000" dirty="0">
               <a:latin typeface="Times New Roman" panose="02020603050405020304" pitchFamily="18" charset="0"/>
               <a:cs typeface="Times New Roman" panose="02020603050405020304" pitchFamily="18" charset="0"/>
@@ -6911,7 +6827,7 @@
                 <a:latin typeface="Times New Roman" panose="02020603050405020304" pitchFamily="18" charset="0"/>
                 <a:cs typeface="Times New Roman" panose="02020603050405020304" pitchFamily="18" charset="0"/>
               </a:rPr>
-              <a:t>To integrate a Telegram bot for remote command execution, enabling centralized and controlled interaction with the system for monitoring, testing, and automation purposes.</a:t>
+              <a:t>To build a secure file repository system that supports file upload, download, and deletion operations with proper user isolation and admin-level access control mechanisms.</a:t>
             </a:r>
           </a:p>
           <a:p>
@@ -6934,30 +6850,7 @@
                 <a:latin typeface="Times New Roman" panose="02020603050405020304" pitchFamily="18" charset="0"/>
                 <a:cs typeface="Times New Roman" panose="02020603050405020304" pitchFamily="18" charset="0"/>
               </a:rPr>
-              <a:t>To build a secure file repository system that supports file upload, download, and deletion operations with proper user isolation and admin-level access control mechanisms.</a:t>
-            </a:r>
-          </a:p>
-          <a:p>
-            <a:pPr marL="342900" indent="-342900">
-              <a:buFont typeface="Wingdings" panose="05000000000000000000" pitchFamily="2" charset="2"/>
-              <a:buChar char="Ø"/>
-            </a:pPr>
-            <a:endParaRPr lang="en-US" sz="2000" dirty="0">
-              <a:latin typeface="Times New Roman" panose="02020603050405020304" pitchFamily="18" charset="0"/>
-              <a:cs typeface="Times New Roman" panose="02020603050405020304" pitchFamily="18" charset="0"/>
-            </a:endParaRPr>
-          </a:p>
-          <a:p>
-            <a:pPr marL="342900" indent="-342900">
-              <a:buFont typeface="Wingdings" panose="05000000000000000000" pitchFamily="2" charset="2"/>
-              <a:buChar char="Ø"/>
-            </a:pPr>
-            <a:r>
-              <a:rPr lang="en-US" sz="2000" dirty="0">
-                <a:latin typeface="Times New Roman" panose="02020603050405020304" pitchFamily="18" charset="0"/>
-                <a:cs typeface="Times New Roman" panose="02020603050405020304" pitchFamily="18" charset="0"/>
-              </a:rPr>
-              <a:t>To create an All-in-One automation framework that integrates privilege escalation logic, file handling, and command execution into a modular and maintainable architecture.</a:t>
+              <a:t>To create an All-in-One automation framework that integrates privilege escalation logic and command execution into a modular and maintainable architecture.</a:t>
             </a:r>
           </a:p>
           <a:p>
@@ -7785,7 +7678,7 @@
         <p:spPr>
           <a:xfrm>
             <a:off x="265471" y="792624"/>
-            <a:ext cx="11661058" cy="5940088"/>
+            <a:ext cx="11661058" cy="4093428"/>
           </a:xfrm>
           <a:prstGeom prst="rect">
             <a:avLst/>
@@ -7816,23 +7709,38 @@
               <a:buChar char="ü"/>
             </a:pPr>
             <a:r>
-              <a:rPr lang="en-US" sz="2000" dirty="0"/>
+              <a:rPr lang="en-US" sz="2000" dirty="0">
+                <a:latin typeface="Times New Roman" panose="02020603050405020304" pitchFamily="18" charset="0"/>
+                <a:cs typeface="Times New Roman" panose="02020603050405020304" pitchFamily="18" charset="0"/>
+              </a:rPr>
               <a:t>Performs </a:t>
             </a:r>
             <a:r>
-              <a:rPr lang="en-US" sz="2000" dirty="0" err="1"/>
+              <a:rPr lang="en-US" sz="2000" dirty="0" err="1">
+                <a:latin typeface="Times New Roman" panose="02020603050405020304" pitchFamily="18" charset="0"/>
+                <a:cs typeface="Times New Roman" panose="02020603050405020304" pitchFamily="18" charset="0"/>
+              </a:rPr>
               <a:t>sudo</a:t>
             </a:r>
             <a:r>
-              <a:rPr lang="en-US" sz="2000" dirty="0"/>
+              <a:rPr lang="en-US" sz="2000" dirty="0">
+                <a:latin typeface="Times New Roman" panose="02020603050405020304" pitchFamily="18" charset="0"/>
+                <a:cs typeface="Times New Roman" panose="02020603050405020304" pitchFamily="18" charset="0"/>
+              </a:rPr>
               <a:t> manipulation testing to evaluate how misconfigured </a:t>
             </a:r>
             <a:r>
-              <a:rPr lang="en-US" sz="2000" dirty="0" err="1"/>
+              <a:rPr lang="en-US" sz="2000" dirty="0" err="1">
+                <a:latin typeface="Times New Roman" panose="02020603050405020304" pitchFamily="18" charset="0"/>
+                <a:cs typeface="Times New Roman" panose="02020603050405020304" pitchFamily="18" charset="0"/>
+              </a:rPr>
               <a:t>sudo</a:t>
             </a:r>
             <a:r>
-              <a:rPr lang="en-US" sz="2000" dirty="0"/>
+              <a:rPr lang="en-US" sz="2000" dirty="0">
+                <a:latin typeface="Times New Roman" panose="02020603050405020304" pitchFamily="18" charset="0"/>
+                <a:cs typeface="Times New Roman" panose="02020603050405020304" pitchFamily="18" charset="0"/>
+              </a:rPr>
               <a:t> permissions can be exploited to gain elevated privileges in a controlled Linux environment.</a:t>
             </a:r>
           </a:p>
@@ -7841,7 +7749,10 @@
               <a:buFont typeface="Wingdings" panose="05000000000000000000" pitchFamily="2" charset="2"/>
               <a:buChar char="ü"/>
             </a:pPr>
-            <a:endParaRPr lang="en-US" sz="2000" dirty="0"/>
+            <a:endParaRPr lang="en-US" sz="2000" dirty="0">
+              <a:latin typeface="Times New Roman" panose="02020603050405020304" pitchFamily="18" charset="0"/>
+              <a:cs typeface="Times New Roman" panose="02020603050405020304" pitchFamily="18" charset="0"/>
+            </a:endParaRPr>
           </a:p>
           <a:p>
             <a:pPr marL="342900" indent="-342900">
@@ -7849,25 +7760,11 @@
               <a:buChar char="ü"/>
             </a:pPr>
             <a:r>
-              <a:rPr lang="en-US" sz="2000" dirty="0"/>
+              <a:rPr lang="en-US" sz="2000" dirty="0">
+                <a:latin typeface="Times New Roman" panose="02020603050405020304" pitchFamily="18" charset="0"/>
+                <a:cs typeface="Times New Roman" panose="02020603050405020304" pitchFamily="18" charset="0"/>
+              </a:rPr>
               <a:t>Implements permission validation mechanisms to analyze file, user, and group-level access controls and identify potential weaknesses in privilege management.</a:t>
-            </a:r>
-          </a:p>
-          <a:p>
-            <a:pPr marL="342900" indent="-342900">
-              <a:buFont typeface="Wingdings" panose="05000000000000000000" pitchFamily="2" charset="2"/>
-              <a:buChar char="ü"/>
-            </a:pPr>
-            <a:endParaRPr lang="en-US" sz="2000" dirty="0"/>
-          </a:p>
-          <a:p>
-            <a:pPr marL="342900" indent="-342900">
-              <a:buFont typeface="Wingdings" panose="05000000000000000000" pitchFamily="2" charset="2"/>
-              <a:buChar char="ü"/>
-            </a:pPr>
-            <a:r>
-              <a:rPr lang="en-US" sz="2000" dirty="0"/>
-              <a:t>Executes controlled payloads to simulate real-world escalation scenarios while maintaining structured logging and execution monitoring for analysis.</a:t>
             </a:r>
           </a:p>
           <a:p>
@@ -7923,29 +7820,6 @@
                 <a:cs typeface="Times New Roman" panose="02020603050405020304" pitchFamily="18" charset="0"/>
               </a:rPr>
               <a:t>Implements structured output formatting to ensure command responses are readable, organized, and properly displayed within the Telegram interface.</a:t>
-            </a:r>
-          </a:p>
-          <a:p>
-            <a:pPr marL="342900" indent="-342900">
-              <a:buFont typeface="Wingdings" panose="05000000000000000000" pitchFamily="2" charset="2"/>
-              <a:buChar char="ü"/>
-            </a:pPr>
-            <a:endParaRPr lang="en-US" sz="2000" dirty="0">
-              <a:latin typeface="Times New Roman" panose="02020603050405020304" pitchFamily="18" charset="0"/>
-              <a:cs typeface="Times New Roman" panose="02020603050405020304" pitchFamily="18" charset="0"/>
-            </a:endParaRPr>
-          </a:p>
-          <a:p>
-            <a:pPr marL="342900" indent="-342900">
-              <a:buFont typeface="Wingdings" panose="05000000000000000000" pitchFamily="2" charset="2"/>
-              <a:buChar char="ü"/>
-            </a:pPr>
-            <a:r>
-              <a:rPr lang="en-US" sz="2000" dirty="0">
-                <a:latin typeface="Times New Roman" panose="02020603050405020304" pitchFamily="18" charset="0"/>
-                <a:cs typeface="Times New Roman" panose="02020603050405020304" pitchFamily="18" charset="0"/>
-              </a:rPr>
-              <a:t>Applies secure access restrictions using authentication checks and user validation to prevent unauthorized command execution.</a:t>
             </a:r>
           </a:p>
         </p:txBody>

--- a/docs/Clg 1st review.pptx
+++ b/docs/Clg 1st review.pptx
@@ -211,7 +211,7 @@
           <a:p>
             <a:fld id="{C1BED7E8-5420-4F73-BA32-34A7030FE7D8}" type="datetimeFigureOut">
               <a:rPr lang="en-US" smtClean="0"/>
-              <a:t>2/17/2026</a:t>
+              <a:t>2/19/2026</a:t>
             </a:fld>
             <a:endParaRPr lang="en-US"/>
           </a:p>
@@ -1897,7 +1897,7 @@
           <a:p>
             <a:fld id="{C198EE3F-C531-4F47-81BE-EB7857D8F039}" type="datetimeFigureOut">
               <a:rPr lang="en-US" smtClean="0"/>
-              <a:t>2/17/2026</a:t>
+              <a:t>2/19/2026</a:t>
             </a:fld>
             <a:endParaRPr lang="en-US"/>
           </a:p>
@@ -2095,7 +2095,7 @@
           <a:p>
             <a:fld id="{C198EE3F-C531-4F47-81BE-EB7857D8F039}" type="datetimeFigureOut">
               <a:rPr lang="en-US" smtClean="0"/>
-              <a:t>2/17/2026</a:t>
+              <a:t>2/19/2026</a:t>
             </a:fld>
             <a:endParaRPr lang="en-US"/>
           </a:p>
@@ -2303,7 +2303,7 @@
           <a:p>
             <a:fld id="{C198EE3F-C531-4F47-81BE-EB7857D8F039}" type="datetimeFigureOut">
               <a:rPr lang="en-US" smtClean="0"/>
-              <a:t>2/17/2026</a:t>
+              <a:t>2/19/2026</a:t>
             </a:fld>
             <a:endParaRPr lang="en-US"/>
           </a:p>
@@ -2501,7 +2501,7 @@
           <a:p>
             <a:fld id="{C198EE3F-C531-4F47-81BE-EB7857D8F039}" type="datetimeFigureOut">
               <a:rPr lang="en-US" smtClean="0"/>
-              <a:t>2/17/2026</a:t>
+              <a:t>2/19/2026</a:t>
             </a:fld>
             <a:endParaRPr lang="en-US"/>
           </a:p>
@@ -2776,7 +2776,7 @@
           <a:p>
             <a:fld id="{C198EE3F-C531-4F47-81BE-EB7857D8F039}" type="datetimeFigureOut">
               <a:rPr lang="en-US" smtClean="0"/>
-              <a:t>2/17/2026</a:t>
+              <a:t>2/19/2026</a:t>
             </a:fld>
             <a:endParaRPr lang="en-US"/>
           </a:p>
@@ -3041,7 +3041,7 @@
           <a:p>
             <a:fld id="{C198EE3F-C531-4F47-81BE-EB7857D8F039}" type="datetimeFigureOut">
               <a:rPr lang="en-US" smtClean="0"/>
-              <a:t>2/17/2026</a:t>
+              <a:t>2/19/2026</a:t>
             </a:fld>
             <a:endParaRPr lang="en-US"/>
           </a:p>
@@ -3453,7 +3453,7 @@
           <a:p>
             <a:fld id="{C198EE3F-C531-4F47-81BE-EB7857D8F039}" type="datetimeFigureOut">
               <a:rPr lang="en-US" smtClean="0"/>
-              <a:t>2/17/2026</a:t>
+              <a:t>2/19/2026</a:t>
             </a:fld>
             <a:endParaRPr lang="en-US"/>
           </a:p>
@@ -3594,7 +3594,7 @@
           <a:p>
             <a:fld id="{C198EE3F-C531-4F47-81BE-EB7857D8F039}" type="datetimeFigureOut">
               <a:rPr lang="en-US" smtClean="0"/>
-              <a:t>2/17/2026</a:t>
+              <a:t>2/19/2026</a:t>
             </a:fld>
             <a:endParaRPr lang="en-US"/>
           </a:p>
@@ -3707,7 +3707,7 @@
           <a:p>
             <a:fld id="{C198EE3F-C531-4F47-81BE-EB7857D8F039}" type="datetimeFigureOut">
               <a:rPr lang="en-US" smtClean="0"/>
-              <a:t>2/17/2026</a:t>
+              <a:t>2/19/2026</a:t>
             </a:fld>
             <a:endParaRPr lang="en-US"/>
           </a:p>
@@ -4018,7 +4018,7 @@
           <a:p>
             <a:fld id="{C198EE3F-C531-4F47-81BE-EB7857D8F039}" type="datetimeFigureOut">
               <a:rPr lang="en-US" smtClean="0"/>
-              <a:t>2/17/2026</a:t>
+              <a:t>2/19/2026</a:t>
             </a:fld>
             <a:endParaRPr lang="en-US"/>
           </a:p>
@@ -4306,7 +4306,7 @@
           <a:p>
             <a:fld id="{C198EE3F-C531-4F47-81BE-EB7857D8F039}" type="datetimeFigureOut">
               <a:rPr lang="en-US" smtClean="0"/>
-              <a:t>2/17/2026</a:t>
+              <a:t>2/19/2026</a:t>
             </a:fld>
             <a:endParaRPr lang="en-US"/>
           </a:p>
@@ -4547,7 +4547,7 @@
           <a:p>
             <a:fld id="{C198EE3F-C531-4F47-81BE-EB7857D8F039}" type="datetimeFigureOut">
               <a:rPr lang="en-US" smtClean="0"/>
-              <a:t>2/17/2026</a:t>
+              <a:t>2/19/2026</a:t>
             </a:fld>
             <a:endParaRPr lang="en-US"/>
           </a:p>
@@ -5294,7 +5294,7 @@
           </a:bodyPr>
           <a:lstStyle/>
           <a:p>
-            <a:pPr marL="342900" indent="-342900">
+            <a:pPr marL="342900" indent="-342900" algn="just">
               <a:buFont typeface="Wingdings" panose="05000000000000000000" pitchFamily="2" charset="2"/>
               <a:buChar char="Ø"/>
             </a:pPr>
@@ -5307,7 +5307,7 @@
             </a:r>
           </a:p>
           <a:p>
-            <a:pPr marL="342900" indent="-342900">
+            <a:pPr marL="342900" indent="-342900" algn="just">
               <a:buFont typeface="Wingdings" panose="05000000000000000000" pitchFamily="2" charset="2"/>
               <a:buChar char="ü"/>
             </a:pPr>
@@ -5320,7 +5320,7 @@
             </a:r>
           </a:p>
           <a:p>
-            <a:pPr marL="342900" indent="-342900">
+            <a:pPr marL="342900" indent="-342900" algn="just">
               <a:buFont typeface="Wingdings" panose="05000000000000000000" pitchFamily="2" charset="2"/>
               <a:buChar char="ü"/>
             </a:pPr>
@@ -5330,7 +5330,7 @@
             </a:endParaRPr>
           </a:p>
           <a:p>
-            <a:pPr marL="342900" indent="-342900">
+            <a:pPr marL="342900" indent="-342900" algn="just">
               <a:buFont typeface="Wingdings" panose="05000000000000000000" pitchFamily="2" charset="2"/>
               <a:buChar char="ü"/>
             </a:pPr>
@@ -5343,7 +5343,7 @@
             </a:r>
           </a:p>
           <a:p>
-            <a:pPr marL="342900" indent="-342900">
+            <a:pPr marL="342900" indent="-342900" algn="just">
               <a:buFont typeface="Wingdings" panose="05000000000000000000" pitchFamily="2" charset="2"/>
               <a:buChar char="ü"/>
             </a:pPr>
@@ -5353,7 +5353,7 @@
             </a:endParaRPr>
           </a:p>
           <a:p>
-            <a:pPr marL="342900" indent="-342900">
+            <a:pPr marL="342900" indent="-342900" algn="just">
               <a:buFont typeface="Wingdings" panose="05000000000000000000" pitchFamily="2" charset="2"/>
               <a:buChar char="ü"/>
             </a:pPr>
@@ -5366,13 +5366,14 @@
             </a:r>
           </a:p>
           <a:p>
+            <a:pPr algn="just"/>
             <a:endParaRPr lang="en-US" sz="2000" b="1" dirty="0">
               <a:latin typeface="Times New Roman" panose="02020603050405020304" pitchFamily="18" charset="0"/>
               <a:cs typeface="Times New Roman" panose="02020603050405020304" pitchFamily="18" charset="0"/>
             </a:endParaRPr>
           </a:p>
           <a:p>
-            <a:pPr marL="342900" indent="-342900">
+            <a:pPr marL="342900" indent="-342900" algn="just">
               <a:buFont typeface="Wingdings" panose="05000000000000000000" pitchFamily="2" charset="2"/>
               <a:buChar char="Ø"/>
             </a:pPr>
@@ -5385,7 +5386,7 @@
             </a:r>
           </a:p>
           <a:p>
-            <a:pPr marL="342900" indent="-342900">
+            <a:pPr marL="342900" indent="-342900" algn="just">
               <a:buFont typeface="Wingdings" panose="05000000000000000000" pitchFamily="2" charset="2"/>
               <a:buChar char="ü"/>
             </a:pPr>
@@ -5398,7 +5399,7 @@
             </a:r>
           </a:p>
           <a:p>
-            <a:pPr marL="342900" indent="-342900">
+            <a:pPr marL="342900" indent="-342900" algn="just">
               <a:buFont typeface="Wingdings" panose="05000000000000000000" pitchFamily="2" charset="2"/>
               <a:buChar char="ü"/>
             </a:pPr>
@@ -5408,7 +5409,7 @@
             </a:endParaRPr>
           </a:p>
           <a:p>
-            <a:pPr marL="342900" indent="-342900">
+            <a:pPr marL="342900" indent="-342900" algn="just">
               <a:buFont typeface="Wingdings" panose="05000000000000000000" pitchFamily="2" charset="2"/>
               <a:buChar char="ü"/>
             </a:pPr>
@@ -5527,7 +5528,7 @@
           </a:bodyPr>
           <a:lstStyle/>
           <a:p>
-            <a:pPr marL="342900" indent="-342900">
+            <a:pPr marL="342900" indent="-342900" algn="just">
               <a:buFont typeface="Wingdings" panose="05000000000000000000" pitchFamily="2" charset="2"/>
               <a:buChar char="Ø"/>
             </a:pPr>
@@ -5540,7 +5541,7 @@
             </a:r>
           </a:p>
           <a:p>
-            <a:pPr marL="342900" indent="-342900">
+            <a:pPr marL="342900" indent="-342900" algn="just">
               <a:buFont typeface="Wingdings" panose="05000000000000000000" pitchFamily="2" charset="2"/>
               <a:buChar char="ü"/>
             </a:pPr>
@@ -5553,7 +5554,7 @@
             </a:r>
           </a:p>
           <a:p>
-            <a:pPr marL="342900" indent="-342900">
+            <a:pPr marL="342900" indent="-342900" algn="just">
               <a:buFont typeface="Wingdings" panose="05000000000000000000" pitchFamily="2" charset="2"/>
               <a:buChar char="ü"/>
             </a:pPr>
@@ -5563,7 +5564,7 @@
             </a:endParaRPr>
           </a:p>
           <a:p>
-            <a:pPr marL="342900" indent="-342900">
+            <a:pPr marL="342900" indent="-342900" algn="just">
               <a:buFont typeface="Wingdings" panose="05000000000000000000" pitchFamily="2" charset="2"/>
               <a:buChar char="ü"/>
             </a:pPr>
@@ -5696,7 +5697,7 @@
           </a:bodyPr>
           <a:lstStyle/>
           <a:p>
-            <a:pPr marL="342900" indent="-342900">
+            <a:pPr marL="342900" indent="-342900" algn="just">
               <a:buFont typeface="Wingdings" panose="05000000000000000000" pitchFamily="2" charset="2"/>
               <a:buChar char="ü"/>
             </a:pPr>
@@ -5709,7 +5710,7 @@
             </a:r>
           </a:p>
           <a:p>
-            <a:pPr marL="342900" indent="-342900">
+            <a:pPr marL="342900" indent="-342900" algn="just">
               <a:buFont typeface="Wingdings" panose="05000000000000000000" pitchFamily="2" charset="2"/>
               <a:buChar char="ü"/>
             </a:pPr>
@@ -5719,7 +5720,7 @@
             </a:endParaRPr>
           </a:p>
           <a:p>
-            <a:pPr marL="342900" indent="-342900">
+            <a:pPr marL="342900" indent="-342900" algn="just">
               <a:buFont typeface="Wingdings" panose="05000000000000000000" pitchFamily="2" charset="2"/>
               <a:buChar char="ü"/>
             </a:pPr>
@@ -5732,7 +5733,7 @@
             </a:r>
           </a:p>
           <a:p>
-            <a:pPr marL="342900" indent="-342900">
+            <a:pPr marL="342900" indent="-342900" algn="just">
               <a:buFont typeface="Wingdings" panose="05000000000000000000" pitchFamily="2" charset="2"/>
               <a:buChar char="ü"/>
             </a:pPr>
@@ -5742,7 +5743,7 @@
             </a:endParaRPr>
           </a:p>
           <a:p>
-            <a:pPr marL="342900" indent="-342900">
+            <a:pPr marL="342900" indent="-342900" algn="just">
               <a:buFont typeface="Wingdings" panose="05000000000000000000" pitchFamily="2" charset="2"/>
               <a:buChar char="ü"/>
             </a:pPr>
@@ -5755,7 +5756,7 @@
             </a:r>
           </a:p>
           <a:p>
-            <a:pPr marL="342900" indent="-342900">
+            <a:pPr marL="342900" indent="-342900" algn="just">
               <a:buFont typeface="Wingdings" panose="05000000000000000000" pitchFamily="2" charset="2"/>
               <a:buChar char="ü"/>
             </a:pPr>
@@ -5765,7 +5766,7 @@
             </a:endParaRPr>
           </a:p>
           <a:p>
-            <a:pPr marL="342900" indent="-342900">
+            <a:pPr marL="342900" indent="-342900" algn="just">
               <a:buFont typeface="Wingdings" panose="05000000000000000000" pitchFamily="2" charset="2"/>
               <a:buChar char="ü"/>
             </a:pPr>
@@ -5778,7 +5779,7 @@
             </a:r>
           </a:p>
           <a:p>
-            <a:pPr marL="342900" indent="-342900">
+            <a:pPr marL="342900" indent="-342900" algn="just">
               <a:buFont typeface="Wingdings" panose="05000000000000000000" pitchFamily="2" charset="2"/>
               <a:buChar char="ü"/>
             </a:pPr>
@@ -5788,7 +5789,7 @@
             </a:endParaRPr>
           </a:p>
           <a:p>
-            <a:pPr marL="342900" indent="-342900">
+            <a:pPr marL="342900" indent="-342900" algn="just">
               <a:buFont typeface="Wingdings" panose="05000000000000000000" pitchFamily="2" charset="2"/>
               <a:buChar char="ü"/>
             </a:pPr>
@@ -5901,7 +5902,7 @@
           </a:bodyPr>
           <a:lstStyle/>
           <a:p>
-            <a:pPr marL="342900" indent="-342900">
+            <a:pPr marL="342900" indent="-342900" algn="just">
               <a:buFont typeface="Wingdings" panose="05000000000000000000" pitchFamily="2" charset="2"/>
               <a:buChar char="ü"/>
             </a:pPr>
@@ -5914,7 +5915,7 @@
             </a:r>
           </a:p>
           <a:p>
-            <a:pPr marL="342900" indent="-342900">
+            <a:pPr marL="342900" indent="-342900" algn="just">
               <a:buFont typeface="Wingdings" panose="05000000000000000000" pitchFamily="2" charset="2"/>
               <a:buChar char="ü"/>
             </a:pPr>
@@ -5924,7 +5925,7 @@
             </a:endParaRPr>
           </a:p>
           <a:p>
-            <a:pPr marL="342900" indent="-342900">
+            <a:pPr marL="342900" indent="-342900" algn="just">
               <a:buFont typeface="Wingdings" panose="05000000000000000000" pitchFamily="2" charset="2"/>
               <a:buChar char="ü"/>
             </a:pPr>
@@ -5937,7 +5938,7 @@
             </a:r>
           </a:p>
           <a:p>
-            <a:pPr marL="342900" indent="-342900">
+            <a:pPr marL="342900" indent="-342900" algn="just">
               <a:buFont typeface="Wingdings" panose="05000000000000000000" pitchFamily="2" charset="2"/>
               <a:buChar char="ü"/>
             </a:pPr>
@@ -5947,7 +5948,7 @@
             </a:endParaRPr>
           </a:p>
           <a:p>
-            <a:pPr marL="342900" indent="-342900">
+            <a:pPr marL="342900" indent="-342900" algn="just">
               <a:buFont typeface="Wingdings" panose="05000000000000000000" pitchFamily="2" charset="2"/>
               <a:buChar char="ü"/>
             </a:pPr>
@@ -5960,7 +5961,7 @@
             </a:r>
           </a:p>
           <a:p>
-            <a:pPr marL="342900" indent="-342900">
+            <a:pPr marL="342900" indent="-342900" algn="just">
               <a:buFont typeface="Wingdings" panose="05000000000000000000" pitchFamily="2" charset="2"/>
               <a:buChar char="ü"/>
             </a:pPr>
@@ -5970,7 +5971,7 @@
             </a:endParaRPr>
           </a:p>
           <a:p>
-            <a:pPr marL="342900" indent="-342900">
+            <a:pPr marL="342900" indent="-342900" algn="just">
               <a:buFont typeface="Wingdings" panose="05000000000000000000" pitchFamily="2" charset="2"/>
               <a:buChar char="ü"/>
             </a:pPr>
@@ -6083,7 +6084,7 @@
           </a:bodyPr>
           <a:lstStyle/>
           <a:p>
-            <a:pPr marL="342900" indent="-342900">
+            <a:pPr marL="342900" indent="-342900" algn="just">
               <a:buFont typeface="Wingdings" panose="05000000000000000000" pitchFamily="2" charset="2"/>
               <a:buChar char="Ø"/>
             </a:pPr>
@@ -6096,7 +6097,7 @@
             </a:r>
           </a:p>
           <a:p>
-            <a:pPr marL="342900" indent="-342900">
+            <a:pPr marL="342900" indent="-342900" algn="just">
               <a:buFont typeface="Wingdings" panose="05000000000000000000" pitchFamily="2" charset="2"/>
               <a:buChar char="Ø"/>
             </a:pPr>
@@ -6123,7 +6124,7 @@
             </a:r>
           </a:p>
           <a:p>
-            <a:pPr marL="342900" indent="-342900">
+            <a:pPr marL="342900" indent="-342900" algn="just">
               <a:buFont typeface="Wingdings" panose="05000000000000000000" pitchFamily="2" charset="2"/>
               <a:buChar char="Ø"/>
             </a:pPr>
@@ -6133,7 +6134,7 @@
             </a:endParaRPr>
           </a:p>
           <a:p>
-            <a:pPr marL="342900" indent="-342900">
+            <a:pPr marL="342900" indent="-342900" algn="just">
               <a:buFont typeface="Wingdings" panose="05000000000000000000" pitchFamily="2" charset="2"/>
               <a:buChar char="Ø"/>
             </a:pPr>
@@ -6549,7 +6550,7 @@
           </a:bodyPr>
           <a:lstStyle/>
           <a:p>
-            <a:pPr marL="342900" indent="-342900">
+            <a:pPr marL="342900" indent="-342900" algn="just">
               <a:buFont typeface="Wingdings" panose="05000000000000000000" pitchFamily="2" charset="2"/>
               <a:buChar char="Ø"/>
             </a:pPr>
@@ -6563,7 +6564,7 @@
             </a:r>
           </a:p>
           <a:p>
-            <a:pPr marL="342900" indent="-342900">
+            <a:pPr marL="342900" indent="-342900" algn="just">
               <a:buFont typeface="Wingdings" panose="05000000000000000000" pitchFamily="2" charset="2"/>
               <a:buChar char="Ø"/>
             </a:pPr>
@@ -6574,7 +6575,7 @@
             </a:endParaRPr>
           </a:p>
           <a:p>
-            <a:pPr marL="342900" indent="-342900">
+            <a:pPr marL="342900" indent="-342900" algn="just">
               <a:buFont typeface="Wingdings" panose="05000000000000000000" pitchFamily="2" charset="2"/>
               <a:buChar char="Ø"/>
             </a:pPr>
@@ -6588,7 +6589,7 @@
             </a:r>
           </a:p>
           <a:p>
-            <a:pPr marL="342900" indent="-342900">
+            <a:pPr marL="342900" indent="-342900" algn="just">
               <a:buFont typeface="Wingdings" panose="05000000000000000000" pitchFamily="2" charset="2"/>
               <a:buChar char="Ø"/>
             </a:pPr>
@@ -6599,7 +6600,7 @@
             </a:endParaRPr>
           </a:p>
           <a:p>
-            <a:pPr marL="342900" indent="-342900">
+            <a:pPr marL="342900" indent="-342900" algn="just">
               <a:buFont typeface="Wingdings" panose="05000000000000000000" pitchFamily="2" charset="2"/>
               <a:buChar char="Ø"/>
             </a:pPr>
@@ -6729,7 +6730,7 @@
           </a:bodyPr>
           <a:lstStyle/>
           <a:p>
-            <a:pPr marL="342900" indent="-342900">
+            <a:pPr marL="342900" indent="-342900" algn="just">
               <a:buFont typeface="Wingdings" panose="05000000000000000000" pitchFamily="2" charset="2"/>
               <a:buChar char="Ø"/>
             </a:pPr>
@@ -6756,7 +6757,7 @@
             </a:r>
           </a:p>
           <a:p>
-            <a:pPr marL="342900" indent="-342900">
+            <a:pPr marL="342900" indent="-342900" algn="just">
               <a:buFont typeface="Wingdings" panose="05000000000000000000" pitchFamily="2" charset="2"/>
               <a:buChar char="Ø"/>
             </a:pPr>
@@ -6766,7 +6767,7 @@
             </a:endParaRPr>
           </a:p>
           <a:p>
-            <a:pPr marL="342900" indent="-342900">
+            <a:pPr marL="342900" indent="-342900" algn="just">
               <a:buFont typeface="Wingdings" panose="05000000000000000000" pitchFamily="2" charset="2"/>
               <a:buChar char="Ø"/>
             </a:pPr>
@@ -6793,13 +6794,14 @@
             </a:r>
           </a:p>
           <a:p>
+            <a:pPr algn="just"/>
             <a:endParaRPr lang="en-US" sz="2000" dirty="0">
               <a:latin typeface="Times New Roman" panose="02020603050405020304" pitchFamily="18" charset="0"/>
               <a:cs typeface="Times New Roman" panose="02020603050405020304" pitchFamily="18" charset="0"/>
             </a:endParaRPr>
           </a:p>
           <a:p>
-            <a:pPr marL="342900" indent="-342900">
+            <a:pPr marL="342900" indent="-342900" algn="just">
               <a:buFont typeface="Wingdings" panose="05000000000000000000" pitchFamily="2" charset="2"/>
               <a:buChar char="Ø"/>
             </a:pPr>
@@ -6812,13 +6814,14 @@
             </a:r>
           </a:p>
           <a:p>
+            <a:pPr algn="just"/>
             <a:endParaRPr lang="en-US" sz="2000" dirty="0">
               <a:latin typeface="Times New Roman" panose="02020603050405020304" pitchFamily="18" charset="0"/>
               <a:cs typeface="Times New Roman" panose="02020603050405020304" pitchFamily="18" charset="0"/>
             </a:endParaRPr>
           </a:p>
           <a:p>
-            <a:pPr marL="342900" indent="-342900">
+            <a:pPr marL="342900" indent="-342900" algn="just">
               <a:buFont typeface="Wingdings" panose="05000000000000000000" pitchFamily="2" charset="2"/>
               <a:buChar char="Ø"/>
             </a:pPr>
@@ -6831,7 +6834,7 @@
             </a:r>
           </a:p>
           <a:p>
-            <a:pPr marL="342900" indent="-342900">
+            <a:pPr marL="342900" indent="-342900" algn="just">
               <a:buFont typeface="Wingdings" panose="05000000000000000000" pitchFamily="2" charset="2"/>
               <a:buChar char="Ø"/>
             </a:pPr>
@@ -6841,7 +6844,7 @@
             </a:endParaRPr>
           </a:p>
           <a:p>
-            <a:pPr marL="342900" indent="-342900">
+            <a:pPr marL="342900" indent="-342900" algn="just">
               <a:buFont typeface="Wingdings" panose="05000000000000000000" pitchFamily="2" charset="2"/>
               <a:buChar char="Ø"/>
             </a:pPr>
@@ -6960,7 +6963,7 @@
           </a:bodyPr>
           <a:lstStyle/>
           <a:p>
-            <a:pPr marL="342900" indent="-342900">
+            <a:pPr marL="342900" indent="-342900" algn="just">
               <a:buFont typeface="Wingdings" panose="05000000000000000000" pitchFamily="2" charset="2"/>
               <a:buChar char="Ø"/>
             </a:pPr>
@@ -6973,7 +6976,7 @@
             </a:r>
           </a:p>
           <a:p>
-            <a:pPr marL="342900" indent="-342900">
+            <a:pPr marL="342900" indent="-342900" algn="just">
               <a:buFont typeface="Wingdings" panose="05000000000000000000" pitchFamily="2" charset="2"/>
               <a:buChar char="ü"/>
             </a:pPr>
@@ -6986,7 +6989,7 @@
             </a:r>
           </a:p>
           <a:p>
-            <a:pPr marL="342900" indent="-342900">
+            <a:pPr marL="342900" indent="-342900" algn="just">
               <a:buFont typeface="Wingdings" panose="05000000000000000000" pitchFamily="2" charset="2"/>
               <a:buChar char="ü"/>
             </a:pPr>
@@ -6996,7 +6999,7 @@
             </a:endParaRPr>
           </a:p>
           <a:p>
-            <a:pPr marL="342900" indent="-342900">
+            <a:pPr marL="342900" indent="-342900" algn="just">
               <a:buFont typeface="Wingdings" panose="05000000000000000000" pitchFamily="2" charset="2"/>
               <a:buChar char="ü"/>
             </a:pPr>
@@ -7009,7 +7012,7 @@
             </a:r>
           </a:p>
           <a:p>
-            <a:pPr marL="342900" indent="-342900">
+            <a:pPr marL="342900" indent="-342900" algn="just">
               <a:buFont typeface="Wingdings" panose="05000000000000000000" pitchFamily="2" charset="2"/>
               <a:buChar char="ü"/>
             </a:pPr>
@@ -7019,7 +7022,7 @@
             </a:endParaRPr>
           </a:p>
           <a:p>
-            <a:pPr marL="342900" indent="-342900">
+            <a:pPr marL="342900" indent="-342900" algn="just">
               <a:buFont typeface="Wingdings" panose="05000000000000000000" pitchFamily="2" charset="2"/>
               <a:buChar char="ü"/>
             </a:pPr>
@@ -7032,7 +7035,7 @@
             </a:r>
           </a:p>
           <a:p>
-            <a:pPr marL="342900" indent="-342900">
+            <a:pPr marL="342900" indent="-342900" algn="just">
               <a:buFont typeface="Wingdings" panose="05000000000000000000" pitchFamily="2" charset="2"/>
               <a:buChar char="ü"/>
             </a:pPr>
@@ -7042,7 +7045,7 @@
             </a:endParaRPr>
           </a:p>
           <a:p>
-            <a:pPr marL="342900" indent="-342900">
+            <a:pPr marL="342900" indent="-342900" algn="just">
               <a:buFont typeface="Wingdings" panose="05000000000000000000" pitchFamily="2" charset="2"/>
               <a:buChar char="ü"/>
             </a:pPr>
@@ -7055,7 +7058,7 @@
             </a:r>
           </a:p>
           <a:p>
-            <a:pPr marL="342900" indent="-342900">
+            <a:pPr marL="342900" indent="-342900" algn="just">
               <a:buFont typeface="Wingdings" panose="05000000000000000000" pitchFamily="2" charset="2"/>
               <a:buChar char="ü"/>
             </a:pPr>
@@ -7065,7 +7068,7 @@
             </a:endParaRPr>
           </a:p>
           <a:p>
-            <a:pPr marL="342900" indent="-342900">
+            <a:pPr marL="342900" indent="-342900" algn="just">
               <a:buFont typeface="Wingdings" panose="05000000000000000000" pitchFamily="2" charset="2"/>
               <a:buChar char="ü"/>
             </a:pPr>
@@ -7691,7 +7694,7 @@
           </a:bodyPr>
           <a:lstStyle/>
           <a:p>
-            <a:pPr marL="342900" indent="-342900">
+            <a:pPr marL="342900" indent="-342900" algn="just">
               <a:buFont typeface="Wingdings" panose="05000000000000000000" pitchFamily="2" charset="2"/>
               <a:buChar char="Ø"/>
             </a:pPr>
@@ -7704,7 +7707,7 @@
             </a:r>
           </a:p>
           <a:p>
-            <a:pPr marL="342900" indent="-342900">
+            <a:pPr marL="342900" indent="-342900" algn="just">
               <a:buFont typeface="Wingdings" panose="05000000000000000000" pitchFamily="2" charset="2"/>
               <a:buChar char="ü"/>
             </a:pPr>
@@ -7745,7 +7748,7 @@
             </a:r>
           </a:p>
           <a:p>
-            <a:pPr marL="342900" indent="-342900">
+            <a:pPr marL="342900" indent="-342900" algn="just">
               <a:buFont typeface="Wingdings" panose="05000000000000000000" pitchFamily="2" charset="2"/>
               <a:buChar char="ü"/>
             </a:pPr>
@@ -7755,7 +7758,7 @@
             </a:endParaRPr>
           </a:p>
           <a:p>
-            <a:pPr marL="342900" indent="-342900">
+            <a:pPr marL="342900" indent="-342900" algn="just">
               <a:buFont typeface="Wingdings" panose="05000000000000000000" pitchFamily="2" charset="2"/>
               <a:buChar char="ü"/>
             </a:pPr>
@@ -7768,13 +7771,14 @@
             </a:r>
           </a:p>
           <a:p>
+            <a:pPr algn="just"/>
             <a:endParaRPr lang="en-US" sz="2000" b="1" dirty="0">
               <a:latin typeface="Times New Roman" panose="02020603050405020304" pitchFamily="18" charset="0"/>
               <a:cs typeface="Times New Roman" panose="02020603050405020304" pitchFamily="18" charset="0"/>
             </a:endParaRPr>
           </a:p>
           <a:p>
-            <a:pPr marL="342900" indent="-342900">
+            <a:pPr marL="342900" indent="-342900" algn="just">
               <a:buFont typeface="Wingdings" panose="05000000000000000000" pitchFamily="2" charset="2"/>
               <a:buChar char="Ø"/>
             </a:pPr>
@@ -7787,7 +7791,7 @@
             </a:r>
           </a:p>
           <a:p>
-            <a:pPr marL="342900" indent="-342900">
+            <a:pPr marL="342900" indent="-342900" algn="just">
               <a:buFont typeface="Wingdings" panose="05000000000000000000" pitchFamily="2" charset="2"/>
               <a:buChar char="ü"/>
             </a:pPr>
@@ -7800,7 +7804,7 @@
             </a:r>
           </a:p>
           <a:p>
-            <a:pPr marL="342900" indent="-342900">
+            <a:pPr marL="342900" indent="-342900" algn="just">
               <a:buFont typeface="Wingdings" panose="05000000000000000000" pitchFamily="2" charset="2"/>
               <a:buChar char="ü"/>
             </a:pPr>
@@ -7810,7 +7814,7 @@
             </a:endParaRPr>
           </a:p>
           <a:p>
-            <a:pPr marL="342900" indent="-342900">
+            <a:pPr marL="342900" indent="-342900" algn="just">
               <a:buFont typeface="Wingdings" panose="05000000000000000000" pitchFamily="2" charset="2"/>
               <a:buChar char="ü"/>
             </a:pPr>
